--- a/Project_1_Presentation_Updated_08-25-2020_v3.pptx
+++ b/Project_1_Presentation_Updated_08-25-2020_v3.pptx
@@ -22,12 +22,11 @@
     <p:sldId id="297" r:id="rId16"/>
     <p:sldId id="298" r:id="rId17"/>
     <p:sldId id="305" r:id="rId18"/>
-    <p:sldId id="304" r:id="rId19"/>
-    <p:sldId id="290" r:id="rId20"/>
-    <p:sldId id="271" r:id="rId21"/>
-    <p:sldId id="279" r:id="rId22"/>
-    <p:sldId id="281" r:id="rId23"/>
-    <p:sldId id="274" r:id="rId24"/>
+    <p:sldId id="290" r:id="rId19"/>
+    <p:sldId id="271" r:id="rId20"/>
+    <p:sldId id="279" r:id="rId21"/>
+    <p:sldId id="281" r:id="rId22"/>
+    <p:sldId id="274" r:id="rId23"/>
   </p:sldIdLst>
   <p:sldSz cx="9144000" cy="6858000" type="screen4x3"/>
   <p:notesSz cx="6858000" cy="9144000"/>
@@ -3873,7 +3872,7 @@
         </p:blipFill>
         <p:spPr>
           <a:xfrm>
-            <a:off x="144746" y="2058552"/>
+            <a:off x="144746" y="1689677"/>
             <a:ext cx="2743200" cy="1828799"/>
           </a:xfrm>
         </p:spPr>
@@ -3905,7 +3904,7 @@
         </p:blipFill>
         <p:spPr>
           <a:xfrm>
-            <a:off x="5658582" y="2058552"/>
+            <a:off x="5658582" y="1689677"/>
             <a:ext cx="2743200" cy="1828799"/>
           </a:xfrm>
           <a:prstGeom prst="rect">
@@ -3929,8 +3928,8 @@
         </p:nvSpPr>
         <p:spPr>
           <a:xfrm>
-            <a:off x="566297" y="139925"/>
-            <a:ext cx="7269480" cy="661632"/>
+            <a:off x="566296" y="139925"/>
+            <a:ext cx="8255585" cy="661632"/>
           </a:xfrm>
           <a:prstGeom prst="rect">
             <a:avLst/>
@@ -3938,7 +3937,7 @@
         </p:spPr>
         <p:txBody>
           <a:bodyPr vert="horz" lIns="91440" tIns="45720" rIns="91440" bIns="45720" rtlCol="0" anchor="ctr">
-            <a:normAutofit/>
+            <a:noAutofit/>
           </a:bodyPr>
           <a:lstStyle>
             <a:lvl1pPr algn="l" defTabSz="914400" rtl="0" eaLnBrk="1" latinLnBrk="0" hangingPunct="1">
@@ -3961,8 +3960,8 @@
           </a:lstStyle>
           <a:p>
             <a:r>
-              <a:rPr lang="en-US" dirty="0"/>
-              <a:t>New Covid-19 Cases by State </a:t>
+              <a:rPr lang="en-US" sz="2100" dirty="0"/>
+              <a:t>New Covid-19 Cases vs Anxiety or Depressive Disorder by State </a:t>
             </a:r>
           </a:p>
         </p:txBody>
@@ -3994,7 +3993,7 @@
         </p:blipFill>
         <p:spPr>
           <a:xfrm>
-            <a:off x="2871000" y="2058552"/>
+            <a:off x="2871000" y="1689677"/>
             <a:ext cx="2743200" cy="1828799"/>
           </a:xfrm>
           <a:prstGeom prst="rect">
@@ -4123,7 +4122,7 @@
         </p:nvCxnSpPr>
         <p:spPr>
           <a:xfrm flipH="1" flipV="1">
-            <a:off x="2290469" y="2972952"/>
+            <a:off x="2228018" y="2650243"/>
             <a:ext cx="117050" cy="92333"/>
           </a:xfrm>
           <a:prstGeom prst="straightConnector1">
@@ -4165,7 +4164,7 @@
         </p:nvCxnSpPr>
         <p:spPr>
           <a:xfrm flipH="1" flipV="1">
-            <a:off x="1050487" y="2372011"/>
+            <a:off x="1050487" y="2003136"/>
             <a:ext cx="117050" cy="92333"/>
           </a:xfrm>
           <a:prstGeom prst="straightConnector1">
@@ -4207,7 +4206,7 @@
         </p:nvCxnSpPr>
         <p:spPr>
           <a:xfrm flipH="1" flipV="1">
-            <a:off x="1399296" y="2372010"/>
+            <a:off x="1399296" y="2003135"/>
             <a:ext cx="117050" cy="92333"/>
           </a:xfrm>
           <a:prstGeom prst="straightConnector1">
@@ -4249,7 +4248,7 @@
         </p:nvCxnSpPr>
         <p:spPr>
           <a:xfrm rot="10800000" flipH="1" flipV="1">
-            <a:off x="1900814" y="3331438"/>
+            <a:off x="1900814" y="2962563"/>
             <a:ext cx="117050" cy="92333"/>
           </a:xfrm>
           <a:prstGeom prst="straightConnector1">
@@ -4289,7 +4288,7 @@
         </p:nvSpPr>
         <p:spPr>
           <a:xfrm>
-            <a:off x="1441666" y="2432810"/>
+            <a:off x="1441666" y="2063935"/>
             <a:ext cx="426313" cy="184666"/>
           </a:xfrm>
           <a:prstGeom prst="rect">
@@ -4332,7 +4331,7 @@
         </p:nvSpPr>
         <p:spPr>
           <a:xfrm>
-            <a:off x="981636" y="2426976"/>
+            <a:off x="981636" y="2058101"/>
             <a:ext cx="409796" cy="184666"/>
           </a:xfrm>
           <a:prstGeom prst="rect">
@@ -4375,7 +4374,7 @@
         </p:nvSpPr>
         <p:spPr>
           <a:xfrm>
-            <a:off x="1628848" y="3195359"/>
+            <a:off x="1628848" y="2826484"/>
             <a:ext cx="409796" cy="184666"/>
           </a:xfrm>
           <a:prstGeom prst="rect">
@@ -4418,7 +4417,7 @@
         </p:nvSpPr>
         <p:spPr>
           <a:xfrm>
-            <a:off x="2272400" y="3019118"/>
+            <a:off x="2272400" y="2650243"/>
             <a:ext cx="366859" cy="184666"/>
           </a:xfrm>
           <a:prstGeom prst="rect">
@@ -4461,7 +4460,7 @@
         </p:nvSpPr>
         <p:spPr>
           <a:xfrm>
-            <a:off x="836641" y="1854288"/>
+            <a:off x="836641" y="1485413"/>
             <a:ext cx="1357032" cy="246221"/>
           </a:xfrm>
           <a:prstGeom prst="rect">
@@ -4502,7 +4501,7 @@
         </p:nvSpPr>
         <p:spPr>
           <a:xfrm>
-            <a:off x="3584717" y="1862368"/>
+            <a:off x="3584717" y="1493493"/>
             <a:ext cx="1357032" cy="246221"/>
           </a:xfrm>
           <a:prstGeom prst="rect">
@@ -4543,7 +4542,7 @@
         </p:nvSpPr>
         <p:spPr>
           <a:xfrm>
-            <a:off x="6358921" y="1886613"/>
+            <a:off x="6358921" y="1517738"/>
             <a:ext cx="1357032" cy="246221"/>
           </a:xfrm>
           <a:prstGeom prst="rect">
@@ -4808,8 +4807,8 @@
         </p:nvSpPr>
         <p:spPr>
           <a:xfrm>
-            <a:off x="566297" y="139925"/>
-            <a:ext cx="7269480" cy="661632"/>
+            <a:off x="566296" y="139925"/>
+            <a:ext cx="8068549" cy="661632"/>
           </a:xfrm>
           <a:prstGeom prst="rect">
             <a:avLst/>
@@ -4840,8 +4839,8 @@
           </a:lstStyle>
           <a:p>
             <a:r>
-              <a:rPr lang="en-US" dirty="0"/>
-              <a:t>New Covid-19 Cases vs</a:t>
+              <a:rPr lang="en-US" sz="2400" dirty="0"/>
+              <a:t>New Covid-19 Cases vs Anxiety or Depressive Disorder</a:t>
             </a:r>
           </a:p>
         </p:txBody>
@@ -7543,7 +7542,12 @@
             <p:ph type="title"/>
           </p:nvPr>
         </p:nvSpPr>
-        <p:spPr/>
+        <p:spPr>
+          <a:xfrm>
+            <a:off x="946404" y="126772"/>
+            <a:ext cx="7269480" cy="1325562"/>
+          </a:xfrm>
+        </p:spPr>
         <p:txBody>
           <a:bodyPr/>
           <a:lstStyle/>
@@ -7633,25 +7637,25 @@
           <a:p>
             <a:r>
               <a:rPr lang="en-US" dirty="0"/>
-              <a:t>Regarding Openness compared to Anxiety and Depressive Disorder levels, there was a correlation for our 6 sample states but not for the population of all U.S. States. </a:t>
+              <a:t>State Openness compared to Anxiety and Depressive Disorder levels: there was a correlation for our 6 sample states but not for the population of all U.S. States. </a:t>
             </a:r>
           </a:p>
           <a:p>
             <a:r>
               <a:rPr lang="en-US" dirty="0"/>
-              <a:t>Regarding new COVID-19 cases and Anxiety and Depressive Disorder levels,</a:t>
+              <a:t>New COVID-19 cases compared to Anxiety and Depressive Disorder levels: there were 3 states that showed a positive correlation compared to Anxiety and Depressive Disorder levels, correlation but the rest did not.</a:t>
             </a:r>
           </a:p>
           <a:p>
             <a:r>
               <a:rPr lang="en-US" dirty="0"/>
-              <a:t>Regarding unemployment and anxiety and depressive disorder levels, there was not a significant correlation level.</a:t>
+              <a:t>Unemployment compared to Anxiety and Depressive Disorder levels: there was not a significant correlation level.</a:t>
             </a:r>
           </a:p>
           <a:p>
             <a:r>
               <a:rPr lang="en-US" dirty="0"/>
-              <a:t>Regarding unemployment and anxiety and COVID-19 weekly positive increases, unemployment tended to increase as the week’s progressed.</a:t>
+              <a:t>Overall we reject the hypothesis. </a:t>
             </a:r>
           </a:p>
           <a:p>
@@ -7685,189 +7689,7 @@
 </file>
 
 <file path=ppt/slides/slide18.xml><?xml version="1.0" encoding="utf-8"?>
-<p:sld xmlns:a="http://schemas.openxmlformats.org/drawingml/2006/main" xmlns:r="http://schemas.openxmlformats.org/officeDocument/2006/relationships" xmlns:p="http://schemas.openxmlformats.org/presentationml/2006/main">
-  <p:cSld>
-    <p:spTree>
-      <p:nvGrpSpPr>
-        <p:cNvPr id="1" name=""/>
-        <p:cNvGrpSpPr/>
-        <p:nvPr/>
-      </p:nvGrpSpPr>
-      <p:grpSpPr>
-        <a:xfrm>
-          <a:off x="0" y="0"/>
-          <a:ext cx="0" cy="0"/>
-          <a:chOff x="0" y="0"/>
-          <a:chExt cx="0" cy="0"/>
-        </a:xfrm>
-      </p:grpSpPr>
-      <p:sp>
-        <p:nvSpPr>
-          <p:cNvPr id="2" name="Title 1">
-            <a:extLst>
-              <a:ext uri="{FF2B5EF4-FFF2-40B4-BE49-F238E27FC236}">
-                <a16:creationId xmlns:a16="http://schemas.microsoft.com/office/drawing/2014/main" id="{C36B15E0-5587-4564-8ECF-B9D269A26820}"/>
-              </a:ext>
-            </a:extLst>
-          </p:cNvPr>
-          <p:cNvSpPr>
-            <a:spLocks noGrp="1"/>
-          </p:cNvSpPr>
-          <p:nvPr>
-            <p:ph type="title"/>
-          </p:nvPr>
-        </p:nvSpPr>
-        <p:spPr/>
-        <p:txBody>
-          <a:bodyPr/>
-          <a:lstStyle/>
-          <a:p>
-            <a:r>
-              <a:rPr lang="en-US" dirty="0"/>
-              <a:t>Based on the analyses, we conclude the following: </a:t>
-            </a:r>
-          </a:p>
-        </p:txBody>
-      </p:sp>
-      <p:sp>
-        <p:nvSpPr>
-          <p:cNvPr id="3" name="Content Placeholder 2">
-            <a:extLst>
-              <a:ext uri="{FF2B5EF4-FFF2-40B4-BE49-F238E27FC236}">
-                <a16:creationId xmlns:a16="http://schemas.microsoft.com/office/drawing/2014/main" id="{0883A33B-648B-40E1-8977-73F45E2B33EF}"/>
-              </a:ext>
-            </a:extLst>
-          </p:cNvPr>
-          <p:cNvSpPr>
-            <a:spLocks noGrp="1"/>
-          </p:cNvSpPr>
-          <p:nvPr>
-            <p:ph idx="1"/>
-          </p:nvPr>
-        </p:nvSpPr>
-        <p:spPr>
-          <a:xfrm>
-            <a:off x="946404" y="1691322"/>
-            <a:ext cx="6446520" cy="4931900"/>
-          </a:xfrm>
-        </p:spPr>
-        <p:txBody>
-          <a:bodyPr>
-            <a:normAutofit fontScale="77500" lnSpcReduction="20000"/>
-          </a:bodyPr>
-          <a:lstStyle/>
-          <a:p>
-            <a:pPr marL="0" indent="0">
-              <a:buNone/>
-            </a:pPr>
-            <a:r>
-              <a:rPr lang="en-US" dirty="0"/>
-              <a:t>Our original Hypothesis was:</a:t>
-            </a:r>
-          </a:p>
-          <a:p>
-            <a:r>
-              <a:rPr lang="en-US" dirty="0"/>
-              <a:t>The following factors have a correlation to mental health during COVID-19</a:t>
-            </a:r>
-          </a:p>
-          <a:p>
-            <a:pPr lvl="1"/>
-            <a:r>
-              <a:rPr lang="en-US" sz="1800" spc="10" dirty="0">
-                <a:solidFill>
-                  <a:schemeClr val="tx1"/>
-                </a:solidFill>
-              </a:rPr>
-              <a:t>State openness</a:t>
-            </a:r>
-          </a:p>
-          <a:p>
-            <a:pPr lvl="1"/>
-            <a:r>
-              <a:rPr lang="en-US" sz="1800" spc="10" dirty="0">
-                <a:solidFill>
-                  <a:schemeClr val="tx1"/>
-                </a:solidFill>
-              </a:rPr>
-              <a:t>The number of weekly new COVID-19 cases</a:t>
-            </a:r>
-          </a:p>
-          <a:p>
-            <a:pPr lvl="1"/>
-            <a:r>
-              <a:rPr lang="en-US" sz="1800" spc="10" dirty="0">
-                <a:solidFill>
-                  <a:schemeClr val="tx1"/>
-                </a:solidFill>
-              </a:rPr>
-              <a:t>Unemployment</a:t>
-            </a:r>
-          </a:p>
-          <a:p>
-            <a:r>
-              <a:rPr lang="en-US" dirty="0"/>
-              <a:t>Regarding Openness compared to Anxiety and Depressive Disorder levels, there was a correlation for our 6 sample states but not for the population of all U.S. States. Regarding COVID-19 and Anxiety and Depressive Disorder levels, </a:t>
-            </a:r>
-            <a:r>
-              <a:rPr lang="en-US" dirty="0">
-                <a:highlight>
-                  <a:srgbClr val="FFFF00"/>
-                </a:highlight>
-              </a:rPr>
-              <a:t>Adela</a:t>
-            </a:r>
-          </a:p>
-          <a:p>
-            <a:r>
-              <a:rPr lang="en-US" sz="1800" dirty="0"/>
-              <a:t>Regarding unemployment and openness we concluded that there was not a high correlation.</a:t>
-            </a:r>
-          </a:p>
-          <a:p>
-            <a:r>
-              <a:rPr lang="en-US" dirty="0"/>
-              <a:t>Regarding unemployment and anxiety and depressive disorder levels, there was not a significant correlation level.</a:t>
-            </a:r>
-          </a:p>
-          <a:p>
-            <a:r>
-              <a:rPr lang="en-US" dirty="0"/>
-              <a:t>Regarding unemployment and anxiety and COVID-19 weekly positive increases, unemployment tended to increase as the week’s progressed.</a:t>
-            </a:r>
-          </a:p>
-          <a:p>
-            <a:r>
-              <a:rPr lang="en-US" dirty="0"/>
-              <a:t>COVID-19 is a new virus, so we have few data points.  As the disease continues, data points will increase making the finding more reliable.</a:t>
-            </a:r>
-          </a:p>
-          <a:p>
-            <a:endParaRPr lang="en-US" dirty="0"/>
-          </a:p>
-          <a:p>
-            <a:endParaRPr lang="en-US" dirty="0"/>
-          </a:p>
-          <a:p>
-            <a:endParaRPr lang="en-US" dirty="0"/>
-          </a:p>
-        </p:txBody>
-      </p:sp>
-    </p:spTree>
-    <p:extLst>
-      <p:ext uri="{BB962C8B-B14F-4D97-AF65-F5344CB8AC3E}">
-        <p14:creationId xmlns:p14="http://schemas.microsoft.com/office/powerpoint/2010/main" val="1795923155"/>
-      </p:ext>
-    </p:extLst>
-  </p:cSld>
-  <p:clrMapOvr>
-    <a:masterClrMapping/>
-  </p:clrMapOvr>
-</p:sld>
-</file>
-
-<file path=ppt/slides/slide19.xml><?xml version="1.0" encoding="utf-8"?>
-<p:sld xmlns:a="http://schemas.openxmlformats.org/drawingml/2006/main" xmlns:r="http://schemas.openxmlformats.org/officeDocument/2006/relationships" xmlns:p="http://schemas.openxmlformats.org/presentationml/2006/main">
+<p:sld xmlns:a="http://schemas.openxmlformats.org/drawingml/2006/main" xmlns:r="http://schemas.openxmlformats.org/officeDocument/2006/relationships" xmlns:p="http://schemas.openxmlformats.org/presentationml/2006/main" show="0">
   <p:cSld>
     <p:bg>
       <p:bgPr>
@@ -8185,6 +8007,216 @@
     <p:extLst>
       <p:ext uri="{BB962C8B-B14F-4D97-AF65-F5344CB8AC3E}">
         <p14:creationId xmlns:p14="http://schemas.microsoft.com/office/powerpoint/2010/main" val="2098517254"/>
+      </p:ext>
+    </p:extLst>
+  </p:cSld>
+  <p:clrMapOvr>
+    <a:masterClrMapping/>
+  </p:clrMapOvr>
+</p:sld>
+</file>
+
+<file path=ppt/slides/slide19.xml><?xml version="1.0" encoding="utf-8"?>
+<p:sld xmlns:a="http://schemas.openxmlformats.org/drawingml/2006/main" xmlns:r="http://schemas.openxmlformats.org/officeDocument/2006/relationships" xmlns:p="http://schemas.openxmlformats.org/presentationml/2006/main" show="0">
+  <p:cSld>
+    <p:spTree>
+      <p:nvGrpSpPr>
+        <p:cNvPr id="1" name=""/>
+        <p:cNvGrpSpPr/>
+        <p:nvPr/>
+      </p:nvGrpSpPr>
+      <p:grpSpPr>
+        <a:xfrm>
+          <a:off x="0" y="0"/>
+          <a:ext cx="0" cy="0"/>
+          <a:chOff x="0" y="0"/>
+          <a:chExt cx="0" cy="0"/>
+        </a:xfrm>
+      </p:grpSpPr>
+      <p:sp>
+        <p:nvSpPr>
+          <p:cNvPr id="2" name="Title 1">
+            <a:extLst>
+              <a:ext uri="{FF2B5EF4-FFF2-40B4-BE49-F238E27FC236}">
+                <a16:creationId xmlns:a16="http://schemas.microsoft.com/office/drawing/2014/main" id="{C36B15E0-5587-4564-8ECF-B9D269A26820}"/>
+              </a:ext>
+            </a:extLst>
+          </p:cNvPr>
+          <p:cNvSpPr>
+            <a:spLocks noGrp="1"/>
+          </p:cNvSpPr>
+          <p:nvPr>
+            <p:ph type="title"/>
+          </p:nvPr>
+        </p:nvSpPr>
+        <p:spPr>
+          <a:xfrm>
+            <a:off x="1447594" y="401535"/>
+            <a:ext cx="5834243" cy="529787"/>
+          </a:xfrm>
+        </p:spPr>
+        <p:txBody>
+          <a:bodyPr>
+            <a:normAutofit/>
+          </a:bodyPr>
+          <a:lstStyle/>
+          <a:p>
+            <a:r>
+              <a:rPr lang="en-US" sz="2800" dirty="0"/>
+              <a:t>Mental Health and Unemployment</a:t>
+            </a:r>
+          </a:p>
+        </p:txBody>
+      </p:sp>
+      <p:sp>
+        <p:nvSpPr>
+          <p:cNvPr id="4" name="TextBox 3">
+            <a:extLst>
+              <a:ext uri="{FF2B5EF4-FFF2-40B4-BE49-F238E27FC236}">
+                <a16:creationId xmlns:a16="http://schemas.microsoft.com/office/drawing/2014/main" id="{EF743472-3D35-45A3-9B58-6CC28BD587D0}"/>
+              </a:ext>
+            </a:extLst>
+          </p:cNvPr>
+          <p:cNvSpPr txBox="1"/>
+          <p:nvPr/>
+        </p:nvSpPr>
+        <p:spPr>
+          <a:xfrm>
+            <a:off x="12357" y="7414"/>
+            <a:ext cx="7269480" cy="369332"/>
+          </a:xfrm>
+          <a:prstGeom prst="rect">
+            <a:avLst/>
+          </a:prstGeom>
+          <a:noFill/>
+        </p:spPr>
+        <p:txBody>
+          <a:bodyPr wrap="square" rtlCol="0">
+            <a:spAutoFit/>
+          </a:bodyPr>
+          <a:lstStyle/>
+          <a:p>
+            <a:r>
+              <a:rPr lang="en-US" dirty="0"/>
+              <a:t>Slide 13.1</a:t>
+            </a:r>
+          </a:p>
+        </p:txBody>
+      </p:sp>
+      <p:pic>
+        <p:nvPicPr>
+          <p:cNvPr id="10" name="Picture 9">
+            <a:extLst>
+              <a:ext uri="{FF2B5EF4-FFF2-40B4-BE49-F238E27FC236}">
+                <a16:creationId xmlns:a16="http://schemas.microsoft.com/office/drawing/2014/main" id="{35A1F921-F505-435F-BFD2-1DCBE67DACD0}"/>
+              </a:ext>
+            </a:extLst>
+          </p:cNvPr>
+          <p:cNvPicPr>
+            <a:picLocks noChangeAspect="1"/>
+          </p:cNvPicPr>
+          <p:nvPr/>
+        </p:nvPicPr>
+        <p:blipFill>
+          <a:blip r:embed="rId2"/>
+          <a:stretch>
+            <a:fillRect/>
+          </a:stretch>
+        </p:blipFill>
+        <p:spPr>
+          <a:xfrm>
+            <a:off x="1815671" y="2356716"/>
+            <a:ext cx="5055458" cy="3370305"/>
+          </a:xfrm>
+          <a:prstGeom prst="rect">
+            <a:avLst/>
+          </a:prstGeom>
+        </p:spPr>
+      </p:pic>
+      <p:sp>
+        <p:nvSpPr>
+          <p:cNvPr id="11" name="TextBox 10">
+            <a:extLst>
+              <a:ext uri="{FF2B5EF4-FFF2-40B4-BE49-F238E27FC236}">
+                <a16:creationId xmlns:a16="http://schemas.microsoft.com/office/drawing/2014/main" id="{766746E1-F4A1-4B29-99A0-DA806EB7C597}"/>
+              </a:ext>
+            </a:extLst>
+          </p:cNvPr>
+          <p:cNvSpPr txBox="1"/>
+          <p:nvPr/>
+        </p:nvSpPr>
+        <p:spPr>
+          <a:xfrm>
+            <a:off x="753762" y="1229835"/>
+            <a:ext cx="7179276" cy="923330"/>
+          </a:xfrm>
+          <a:prstGeom prst="rect">
+            <a:avLst/>
+          </a:prstGeom>
+          <a:noFill/>
+        </p:spPr>
+        <p:txBody>
+          <a:bodyPr wrap="square" rtlCol="0">
+            <a:spAutoFit/>
+          </a:bodyPr>
+          <a:lstStyle/>
+          <a:p>
+            <a:r>
+              <a:rPr lang="en-US" dirty="0"/>
+              <a:t>There was a low correlation between increasing levels of weekly Unemployment from the sample states compared to increased Anxiety and Depression levels</a:t>
+            </a:r>
+          </a:p>
+        </p:txBody>
+      </p:sp>
+      <p:sp>
+        <p:nvSpPr>
+          <p:cNvPr id="12" name="TextBox 11">
+            <a:extLst>
+              <a:ext uri="{FF2B5EF4-FFF2-40B4-BE49-F238E27FC236}">
+                <a16:creationId xmlns:a16="http://schemas.microsoft.com/office/drawing/2014/main" id="{6E09B730-0BC2-4D4C-AEF8-1DA6ED4ED1F2}"/>
+              </a:ext>
+            </a:extLst>
+          </p:cNvPr>
+          <p:cNvSpPr txBox="1"/>
+          <p:nvPr/>
+        </p:nvSpPr>
+        <p:spPr>
+          <a:xfrm>
+            <a:off x="2877700" y="5727021"/>
+            <a:ext cx="2957615" cy="246221"/>
+          </a:xfrm>
+          <a:prstGeom prst="rect">
+            <a:avLst/>
+          </a:prstGeom>
+          <a:noFill/>
+        </p:spPr>
+        <p:txBody>
+          <a:bodyPr wrap="square" rtlCol="0">
+            <a:spAutoFit/>
+          </a:bodyPr>
+          <a:lstStyle/>
+          <a:p>
+            <a:pPr algn="ctr"/>
+            <a:r>
+              <a:rPr lang="en-US" sz="1000" dirty="0">
+                <a:solidFill>
+                  <a:schemeClr val="tx1">
+                    <a:lumMod val="75000"/>
+                    <a:lumOff val="25000"/>
+                  </a:schemeClr>
+                </a:solidFill>
+                <a:latin typeface="Arial" panose="020B0604020202020204" pitchFamily="34" charset="0"/>
+                <a:cs typeface="Arial" panose="020B0604020202020204" pitchFamily="34" charset="0"/>
+              </a:rPr>
+              <a:t>R Val is 0.08916941867418232</a:t>
+            </a:r>
+          </a:p>
+        </p:txBody>
+      </p:sp>
+    </p:spTree>
+    <p:extLst>
+      <p:ext uri="{BB962C8B-B14F-4D97-AF65-F5344CB8AC3E}">
+        <p14:creationId xmlns:p14="http://schemas.microsoft.com/office/powerpoint/2010/main" val="4086327089"/>
       </p:ext>
     </p:extLst>
   </p:cSld>
@@ -8340,19 +8372,20 @@
         </p:nvSpPr>
         <p:spPr>
           <a:xfrm>
-            <a:off x="1447594" y="401535"/>
+            <a:off x="1246179" y="376746"/>
             <a:ext cx="5834243" cy="529787"/>
           </a:xfrm>
         </p:spPr>
         <p:txBody>
           <a:bodyPr>
-            <a:normAutofit/>
+            <a:normAutofit fontScale="90000"/>
           </a:bodyPr>
           <a:lstStyle/>
           <a:p>
+            <a:pPr algn="ctr"/>
             <a:r>
               <a:rPr lang="en-US" sz="2800" dirty="0"/>
-              <a:t>Mental Health and Unemployment</a:t>
+              <a:t>State Unemployment Since COVID-19</a:t>
             </a:r>
           </a:p>
         </p:txBody>
@@ -8387,17 +8420,52 @@
           <a:p>
             <a:r>
               <a:rPr lang="en-US" dirty="0"/>
-              <a:t>Slide 13.1</a:t>
+              <a:t>Slide 13.2 </a:t>
+            </a:r>
+          </a:p>
+        </p:txBody>
+      </p:sp>
+      <p:sp>
+        <p:nvSpPr>
+          <p:cNvPr id="18" name="TextBox 17">
+            <a:extLst>
+              <a:ext uri="{FF2B5EF4-FFF2-40B4-BE49-F238E27FC236}">
+                <a16:creationId xmlns:a16="http://schemas.microsoft.com/office/drawing/2014/main" id="{5D762444-2DA2-4DFC-A4FB-83F4F175E582}"/>
+              </a:ext>
+            </a:extLst>
+          </p:cNvPr>
+          <p:cNvSpPr txBox="1"/>
+          <p:nvPr/>
+        </p:nvSpPr>
+        <p:spPr>
+          <a:xfrm>
+            <a:off x="692133" y="1229835"/>
+            <a:ext cx="7269480" cy="646331"/>
+          </a:xfrm>
+          <a:prstGeom prst="rect">
+            <a:avLst/>
+          </a:prstGeom>
+          <a:noFill/>
+        </p:spPr>
+        <p:txBody>
+          <a:bodyPr wrap="square" rtlCol="0">
+            <a:spAutoFit/>
+          </a:bodyPr>
+          <a:lstStyle/>
+          <a:p>
+            <a:r>
+              <a:rPr lang="en-US" dirty="0"/>
+              <a:t>California and Georgia have experienced the highest COVID-19 Percentage increases based on their populations.</a:t>
             </a:r>
           </a:p>
         </p:txBody>
       </p:sp>
       <p:pic>
         <p:nvPicPr>
-          <p:cNvPr id="10" name="Picture 9">
-            <a:extLst>
-              <a:ext uri="{FF2B5EF4-FFF2-40B4-BE49-F238E27FC236}">
-                <a16:creationId xmlns:a16="http://schemas.microsoft.com/office/drawing/2014/main" id="{35A1F921-F505-435F-BFD2-1DCBE67DACD0}"/>
+          <p:cNvPr id="5" name="Picture 4">
+            <a:extLst>
+              <a:ext uri="{FF2B5EF4-FFF2-40B4-BE49-F238E27FC236}">
+                <a16:creationId xmlns:a16="http://schemas.microsoft.com/office/drawing/2014/main" id="{74DA79E4-77C3-4197-853B-9DE143937F4C}"/>
               </a:ext>
             </a:extLst>
           </p:cNvPr>
@@ -8406,98 +8474,211 @@
           </p:cNvPicPr>
           <p:nvPr/>
         </p:nvPicPr>
-        <p:blipFill>
+        <p:blipFill rotWithShape="1">
           <a:blip r:embed="rId2"/>
-          <a:stretch>
-            <a:fillRect/>
-          </a:stretch>
+          <a:srcRect r="8565"/>
+          <a:stretch/>
         </p:blipFill>
         <p:spPr>
           <a:xfrm>
-            <a:off x="1815671" y="2356716"/>
-            <a:ext cx="5055458" cy="3370305"/>
+            <a:off x="209550" y="2046211"/>
+            <a:ext cx="2562244" cy="1868168"/>
           </a:xfrm>
           <a:prstGeom prst="rect">
             <a:avLst/>
           </a:prstGeom>
         </p:spPr>
       </p:pic>
-      <p:sp>
-        <p:nvSpPr>
-          <p:cNvPr id="11" name="TextBox 10">
-            <a:extLst>
-              <a:ext uri="{FF2B5EF4-FFF2-40B4-BE49-F238E27FC236}">
-                <a16:creationId xmlns:a16="http://schemas.microsoft.com/office/drawing/2014/main" id="{766746E1-F4A1-4B29-99A0-DA806EB7C597}"/>
-              </a:ext>
-            </a:extLst>
-          </p:cNvPr>
-          <p:cNvSpPr txBox="1"/>
+      <p:pic>
+        <p:nvPicPr>
+          <p:cNvPr id="7" name="Picture 6">
+            <a:extLst>
+              <a:ext uri="{FF2B5EF4-FFF2-40B4-BE49-F238E27FC236}">
+                <a16:creationId xmlns:a16="http://schemas.microsoft.com/office/drawing/2014/main" id="{9F9551AE-B891-44DC-B9EC-A353351C9F07}"/>
+              </a:ext>
+            </a:extLst>
+          </p:cNvPr>
+          <p:cNvPicPr>
+            <a:picLocks noChangeAspect="1"/>
+          </p:cNvPicPr>
           <p:nvPr/>
-        </p:nvSpPr>
-        <p:spPr>
-          <a:xfrm>
-            <a:off x="753762" y="1229835"/>
-            <a:ext cx="7179276" cy="923330"/>
+        </p:nvPicPr>
+        <p:blipFill rotWithShape="1">
+          <a:blip r:embed="rId3"/>
+          <a:srcRect r="8564" b="8075"/>
+          <a:stretch/>
+        </p:blipFill>
+        <p:spPr>
+          <a:xfrm>
+            <a:off x="2910895" y="2054243"/>
+            <a:ext cx="2562244" cy="1920061"/>
           </a:xfrm>
           <a:prstGeom prst="rect">
             <a:avLst/>
           </a:prstGeom>
-          <a:noFill/>
-        </p:spPr>
-        <p:txBody>
-          <a:bodyPr wrap="square" rtlCol="0">
-            <a:spAutoFit/>
-          </a:bodyPr>
-          <a:lstStyle/>
-          <a:p>
-            <a:r>
-              <a:rPr lang="en-US" dirty="0"/>
-              <a:t>There was a low correlation between increasing levels of weekly Unemployment from the sample states compared to increased Anxiety and Depression levels</a:t>
-            </a:r>
-          </a:p>
-        </p:txBody>
-      </p:sp>
-      <p:sp>
-        <p:nvSpPr>
-          <p:cNvPr id="12" name="TextBox 11">
-            <a:extLst>
-              <a:ext uri="{FF2B5EF4-FFF2-40B4-BE49-F238E27FC236}">
-                <a16:creationId xmlns:a16="http://schemas.microsoft.com/office/drawing/2014/main" id="{6E09B730-0BC2-4D4C-AEF8-1DA6ED4ED1F2}"/>
-              </a:ext>
-            </a:extLst>
-          </p:cNvPr>
-          <p:cNvSpPr txBox="1"/>
+        </p:spPr>
+      </p:pic>
+      <p:pic>
+        <p:nvPicPr>
+          <p:cNvPr id="9" name="Picture 8">
+            <a:extLst>
+              <a:ext uri="{FF2B5EF4-FFF2-40B4-BE49-F238E27FC236}">
+                <a16:creationId xmlns:a16="http://schemas.microsoft.com/office/drawing/2014/main" id="{85172A91-DEA7-4724-8E9E-D317C0850DB3}"/>
+              </a:ext>
+            </a:extLst>
+          </p:cNvPr>
+          <p:cNvPicPr>
+            <a:picLocks noChangeAspect="1"/>
+          </p:cNvPicPr>
           <p:nvPr/>
-        </p:nvSpPr>
-        <p:spPr>
-          <a:xfrm>
-            <a:off x="2877700" y="5727021"/>
-            <a:ext cx="2957615" cy="246221"/>
+        </p:nvPicPr>
+        <p:blipFill rotWithShape="1">
+          <a:blip r:embed="rId4"/>
+          <a:srcRect r="8565" b="20000"/>
+          <a:stretch/>
+        </p:blipFill>
+        <p:spPr>
+          <a:xfrm>
+            <a:off x="5638781" y="2072136"/>
+            <a:ext cx="2562244" cy="1868168"/>
           </a:xfrm>
           <a:prstGeom prst="rect">
             <a:avLst/>
           </a:prstGeom>
-          <a:noFill/>
-        </p:spPr>
+        </p:spPr>
+      </p:pic>
+      <p:pic>
+        <p:nvPicPr>
+          <p:cNvPr id="11" name="Picture 10">
+            <a:extLst>
+              <a:ext uri="{FF2B5EF4-FFF2-40B4-BE49-F238E27FC236}">
+                <a16:creationId xmlns:a16="http://schemas.microsoft.com/office/drawing/2014/main" id="{F6BB1D0C-DCC9-4F32-900A-320FDC93D428}"/>
+              </a:ext>
+            </a:extLst>
+          </p:cNvPr>
+          <p:cNvPicPr>
+            <a:picLocks noChangeAspect="1"/>
+          </p:cNvPicPr>
+          <p:nvPr/>
+        </p:nvPicPr>
+        <p:blipFill rotWithShape="1">
+          <a:blip r:embed="rId5"/>
+          <a:srcRect r="6865"/>
+          <a:stretch/>
+        </p:blipFill>
+        <p:spPr>
+          <a:xfrm>
+            <a:off x="221907" y="4016385"/>
+            <a:ext cx="2609869" cy="1868168"/>
+          </a:xfrm>
+          <a:prstGeom prst="rect">
+            <a:avLst/>
+          </a:prstGeom>
+        </p:spPr>
+      </p:pic>
+      <p:pic>
+        <p:nvPicPr>
+          <p:cNvPr id="13" name="Picture 12">
+            <a:extLst>
+              <a:ext uri="{FF2B5EF4-FFF2-40B4-BE49-F238E27FC236}">
+                <a16:creationId xmlns:a16="http://schemas.microsoft.com/office/drawing/2014/main" id="{6565FAC9-FFCF-4F1E-931B-4A69F8EC662C}"/>
+              </a:ext>
+            </a:extLst>
+          </p:cNvPr>
+          <p:cNvPicPr>
+            <a:picLocks noChangeAspect="1"/>
+          </p:cNvPicPr>
+          <p:nvPr/>
+        </p:nvPicPr>
+        <p:blipFill rotWithShape="1">
+          <a:blip r:embed="rId6"/>
+          <a:srcRect r="6075"/>
+          <a:stretch/>
+        </p:blipFill>
+        <p:spPr>
+          <a:xfrm>
+            <a:off x="2919264" y="3945469"/>
+            <a:ext cx="2632029" cy="2237909"/>
+          </a:xfrm>
+          <a:prstGeom prst="rect">
+            <a:avLst/>
+          </a:prstGeom>
+        </p:spPr>
+      </p:pic>
+      <p:pic>
+        <p:nvPicPr>
+          <p:cNvPr id="15" name="Picture 14">
+            <a:extLst>
+              <a:ext uri="{FF2B5EF4-FFF2-40B4-BE49-F238E27FC236}">
+                <a16:creationId xmlns:a16="http://schemas.microsoft.com/office/drawing/2014/main" id="{9BBE46D5-19A5-4AD1-B14E-BEEAF5F73ABB}"/>
+              </a:ext>
+            </a:extLst>
+          </p:cNvPr>
+          <p:cNvPicPr>
+            <a:picLocks noChangeAspect="1"/>
+          </p:cNvPicPr>
+          <p:nvPr/>
+        </p:nvPicPr>
+        <p:blipFill rotWithShape="1">
+          <a:blip r:embed="rId7"/>
+          <a:srcRect r="6075"/>
+          <a:stretch/>
+        </p:blipFill>
+        <p:spPr>
+          <a:xfrm>
+            <a:off x="5645196" y="3961374"/>
+            <a:ext cx="2632029" cy="1868168"/>
+          </a:xfrm>
+          <a:prstGeom prst="rect">
+            <a:avLst/>
+          </a:prstGeom>
+        </p:spPr>
+      </p:pic>
+      <p:sp>
+        <p:nvSpPr>
+          <p:cNvPr id="3" name="Oval 2">
+            <a:extLst>
+              <a:ext uri="{FF2B5EF4-FFF2-40B4-BE49-F238E27FC236}">
+                <a16:creationId xmlns:a16="http://schemas.microsoft.com/office/drawing/2014/main" id="{61479C10-4169-4DCA-BA14-BC3FF3FCD442}"/>
+              </a:ext>
+            </a:extLst>
+          </p:cNvPr>
+          <p:cNvSpPr/>
+          <p:nvPr/>
+        </p:nvSpPr>
+        <p:spPr>
+          <a:xfrm>
+            <a:off x="6870939" y="92141"/>
+            <a:ext cx="1558636" cy="1098995"/>
+          </a:xfrm>
+          <a:prstGeom prst="ellipse">
+            <a:avLst/>
+          </a:prstGeom>
+        </p:spPr>
+        <p:style>
+          <a:lnRef idx="2">
+            <a:schemeClr val="accent1">
+              <a:shade val="50000"/>
+            </a:schemeClr>
+          </a:lnRef>
+          <a:fillRef idx="1">
+            <a:schemeClr val="accent1"/>
+          </a:fillRef>
+          <a:effectRef idx="0">
+            <a:schemeClr val="accent1"/>
+          </a:effectRef>
+          <a:fontRef idx="minor">
+            <a:schemeClr val="lt1"/>
+          </a:fontRef>
+        </p:style>
         <p:txBody>
-          <a:bodyPr wrap="square" rtlCol="0">
-            <a:spAutoFit/>
-          </a:bodyPr>
+          <a:bodyPr rtlCol="0" anchor="ctr"/>
           <a:lstStyle/>
           <a:p>
             <a:pPr algn="ctr"/>
             <a:r>
-              <a:rPr lang="en-US" sz="1000" dirty="0">
-                <a:solidFill>
-                  <a:schemeClr val="tx1">
-                    <a:lumMod val="75000"/>
-                    <a:lumOff val="25000"/>
-                  </a:schemeClr>
-                </a:solidFill>
-                <a:latin typeface="Arial" panose="020B0604020202020204" pitchFamily="34" charset="0"/>
-                <a:cs typeface="Arial" panose="020B0604020202020204" pitchFamily="34" charset="0"/>
-              </a:rPr>
-              <a:t>R Val is 0.08916941867418232</a:t>
+              <a:rPr lang="en-US" dirty="0"/>
+              <a:t>Delete red calculation</a:t>
             </a:r>
           </a:p>
         </p:txBody>
@@ -8505,7 +8686,7 @@
     </p:spTree>
     <p:extLst>
       <p:ext uri="{BB962C8B-B14F-4D97-AF65-F5344CB8AC3E}">
-        <p14:creationId xmlns:p14="http://schemas.microsoft.com/office/powerpoint/2010/main" val="4086327089"/>
+        <p14:creationId xmlns:p14="http://schemas.microsoft.com/office/powerpoint/2010/main" val="1520920494"/>
       </p:ext>
     </p:extLst>
   </p:cSld>
@@ -8556,365 +8737,6 @@
         </p:spPr>
         <p:txBody>
           <a:bodyPr>
-            <a:normAutofit fontScale="90000"/>
-          </a:bodyPr>
-          <a:lstStyle/>
-          <a:p>
-            <a:pPr algn="ctr"/>
-            <a:r>
-              <a:rPr lang="en-US" sz="2800" dirty="0"/>
-              <a:t>State Unemployment Since COVID-19</a:t>
-            </a:r>
-          </a:p>
-        </p:txBody>
-      </p:sp>
-      <p:sp>
-        <p:nvSpPr>
-          <p:cNvPr id="4" name="TextBox 3">
-            <a:extLst>
-              <a:ext uri="{FF2B5EF4-FFF2-40B4-BE49-F238E27FC236}">
-                <a16:creationId xmlns:a16="http://schemas.microsoft.com/office/drawing/2014/main" id="{EF743472-3D35-45A3-9B58-6CC28BD587D0}"/>
-              </a:ext>
-            </a:extLst>
-          </p:cNvPr>
-          <p:cNvSpPr txBox="1"/>
-          <p:nvPr/>
-        </p:nvSpPr>
-        <p:spPr>
-          <a:xfrm>
-            <a:off x="12357" y="7414"/>
-            <a:ext cx="7269480" cy="369332"/>
-          </a:xfrm>
-          <a:prstGeom prst="rect">
-            <a:avLst/>
-          </a:prstGeom>
-          <a:noFill/>
-        </p:spPr>
-        <p:txBody>
-          <a:bodyPr wrap="square" rtlCol="0">
-            <a:spAutoFit/>
-          </a:bodyPr>
-          <a:lstStyle/>
-          <a:p>
-            <a:r>
-              <a:rPr lang="en-US" dirty="0"/>
-              <a:t>Slide 13.2 </a:t>
-            </a:r>
-          </a:p>
-        </p:txBody>
-      </p:sp>
-      <p:sp>
-        <p:nvSpPr>
-          <p:cNvPr id="18" name="TextBox 17">
-            <a:extLst>
-              <a:ext uri="{FF2B5EF4-FFF2-40B4-BE49-F238E27FC236}">
-                <a16:creationId xmlns:a16="http://schemas.microsoft.com/office/drawing/2014/main" id="{5D762444-2DA2-4DFC-A4FB-83F4F175E582}"/>
-              </a:ext>
-            </a:extLst>
-          </p:cNvPr>
-          <p:cNvSpPr txBox="1"/>
-          <p:nvPr/>
-        </p:nvSpPr>
-        <p:spPr>
-          <a:xfrm>
-            <a:off x="692133" y="1229835"/>
-            <a:ext cx="7269480" cy="646331"/>
-          </a:xfrm>
-          <a:prstGeom prst="rect">
-            <a:avLst/>
-          </a:prstGeom>
-          <a:noFill/>
-        </p:spPr>
-        <p:txBody>
-          <a:bodyPr wrap="square" rtlCol="0">
-            <a:spAutoFit/>
-          </a:bodyPr>
-          <a:lstStyle/>
-          <a:p>
-            <a:r>
-              <a:rPr lang="en-US" dirty="0"/>
-              <a:t>California and Georgia have experienced the highest COVID-19 Percentage increases based on their populations.</a:t>
-            </a:r>
-          </a:p>
-        </p:txBody>
-      </p:sp>
-      <p:pic>
-        <p:nvPicPr>
-          <p:cNvPr id="5" name="Picture 4">
-            <a:extLst>
-              <a:ext uri="{FF2B5EF4-FFF2-40B4-BE49-F238E27FC236}">
-                <a16:creationId xmlns:a16="http://schemas.microsoft.com/office/drawing/2014/main" id="{74DA79E4-77C3-4197-853B-9DE143937F4C}"/>
-              </a:ext>
-            </a:extLst>
-          </p:cNvPr>
-          <p:cNvPicPr>
-            <a:picLocks noChangeAspect="1"/>
-          </p:cNvPicPr>
-          <p:nvPr/>
-        </p:nvPicPr>
-        <p:blipFill rotWithShape="1">
-          <a:blip r:embed="rId2"/>
-          <a:srcRect r="8565"/>
-          <a:stretch/>
-        </p:blipFill>
-        <p:spPr>
-          <a:xfrm>
-            <a:off x="209550" y="2046211"/>
-            <a:ext cx="2562244" cy="1868168"/>
-          </a:xfrm>
-          <a:prstGeom prst="rect">
-            <a:avLst/>
-          </a:prstGeom>
-        </p:spPr>
-      </p:pic>
-      <p:pic>
-        <p:nvPicPr>
-          <p:cNvPr id="7" name="Picture 6">
-            <a:extLst>
-              <a:ext uri="{FF2B5EF4-FFF2-40B4-BE49-F238E27FC236}">
-                <a16:creationId xmlns:a16="http://schemas.microsoft.com/office/drawing/2014/main" id="{9F9551AE-B891-44DC-B9EC-A353351C9F07}"/>
-              </a:ext>
-            </a:extLst>
-          </p:cNvPr>
-          <p:cNvPicPr>
-            <a:picLocks noChangeAspect="1"/>
-          </p:cNvPicPr>
-          <p:nvPr/>
-        </p:nvPicPr>
-        <p:blipFill rotWithShape="1">
-          <a:blip r:embed="rId3"/>
-          <a:srcRect r="8564" b="8075"/>
-          <a:stretch/>
-        </p:blipFill>
-        <p:spPr>
-          <a:xfrm>
-            <a:off x="2910895" y="2054243"/>
-            <a:ext cx="2562244" cy="1920061"/>
-          </a:xfrm>
-          <a:prstGeom prst="rect">
-            <a:avLst/>
-          </a:prstGeom>
-        </p:spPr>
-      </p:pic>
-      <p:pic>
-        <p:nvPicPr>
-          <p:cNvPr id="9" name="Picture 8">
-            <a:extLst>
-              <a:ext uri="{FF2B5EF4-FFF2-40B4-BE49-F238E27FC236}">
-                <a16:creationId xmlns:a16="http://schemas.microsoft.com/office/drawing/2014/main" id="{85172A91-DEA7-4724-8E9E-D317C0850DB3}"/>
-              </a:ext>
-            </a:extLst>
-          </p:cNvPr>
-          <p:cNvPicPr>
-            <a:picLocks noChangeAspect="1"/>
-          </p:cNvPicPr>
-          <p:nvPr/>
-        </p:nvPicPr>
-        <p:blipFill rotWithShape="1">
-          <a:blip r:embed="rId4"/>
-          <a:srcRect r="8565" b="20000"/>
-          <a:stretch/>
-        </p:blipFill>
-        <p:spPr>
-          <a:xfrm>
-            <a:off x="5638781" y="2072136"/>
-            <a:ext cx="2562244" cy="1868168"/>
-          </a:xfrm>
-          <a:prstGeom prst="rect">
-            <a:avLst/>
-          </a:prstGeom>
-        </p:spPr>
-      </p:pic>
-      <p:pic>
-        <p:nvPicPr>
-          <p:cNvPr id="11" name="Picture 10">
-            <a:extLst>
-              <a:ext uri="{FF2B5EF4-FFF2-40B4-BE49-F238E27FC236}">
-                <a16:creationId xmlns:a16="http://schemas.microsoft.com/office/drawing/2014/main" id="{F6BB1D0C-DCC9-4F32-900A-320FDC93D428}"/>
-              </a:ext>
-            </a:extLst>
-          </p:cNvPr>
-          <p:cNvPicPr>
-            <a:picLocks noChangeAspect="1"/>
-          </p:cNvPicPr>
-          <p:nvPr/>
-        </p:nvPicPr>
-        <p:blipFill rotWithShape="1">
-          <a:blip r:embed="rId5"/>
-          <a:srcRect r="6865"/>
-          <a:stretch/>
-        </p:blipFill>
-        <p:spPr>
-          <a:xfrm>
-            <a:off x="221907" y="4016385"/>
-            <a:ext cx="2609869" cy="1868168"/>
-          </a:xfrm>
-          <a:prstGeom prst="rect">
-            <a:avLst/>
-          </a:prstGeom>
-        </p:spPr>
-      </p:pic>
-      <p:pic>
-        <p:nvPicPr>
-          <p:cNvPr id="13" name="Picture 12">
-            <a:extLst>
-              <a:ext uri="{FF2B5EF4-FFF2-40B4-BE49-F238E27FC236}">
-                <a16:creationId xmlns:a16="http://schemas.microsoft.com/office/drawing/2014/main" id="{6565FAC9-FFCF-4F1E-931B-4A69F8EC662C}"/>
-              </a:ext>
-            </a:extLst>
-          </p:cNvPr>
-          <p:cNvPicPr>
-            <a:picLocks noChangeAspect="1"/>
-          </p:cNvPicPr>
-          <p:nvPr/>
-        </p:nvPicPr>
-        <p:blipFill rotWithShape="1">
-          <a:blip r:embed="rId6"/>
-          <a:srcRect r="6075"/>
-          <a:stretch/>
-        </p:blipFill>
-        <p:spPr>
-          <a:xfrm>
-            <a:off x="2919264" y="3945469"/>
-            <a:ext cx="2632029" cy="2237909"/>
-          </a:xfrm>
-          <a:prstGeom prst="rect">
-            <a:avLst/>
-          </a:prstGeom>
-        </p:spPr>
-      </p:pic>
-      <p:pic>
-        <p:nvPicPr>
-          <p:cNvPr id="15" name="Picture 14">
-            <a:extLst>
-              <a:ext uri="{FF2B5EF4-FFF2-40B4-BE49-F238E27FC236}">
-                <a16:creationId xmlns:a16="http://schemas.microsoft.com/office/drawing/2014/main" id="{9BBE46D5-19A5-4AD1-B14E-BEEAF5F73ABB}"/>
-              </a:ext>
-            </a:extLst>
-          </p:cNvPr>
-          <p:cNvPicPr>
-            <a:picLocks noChangeAspect="1"/>
-          </p:cNvPicPr>
-          <p:nvPr/>
-        </p:nvPicPr>
-        <p:blipFill rotWithShape="1">
-          <a:blip r:embed="rId7"/>
-          <a:srcRect r="6075"/>
-          <a:stretch/>
-        </p:blipFill>
-        <p:spPr>
-          <a:xfrm>
-            <a:off x="5645196" y="3961374"/>
-            <a:ext cx="2632029" cy="1868168"/>
-          </a:xfrm>
-          <a:prstGeom prst="rect">
-            <a:avLst/>
-          </a:prstGeom>
-        </p:spPr>
-      </p:pic>
-      <p:sp>
-        <p:nvSpPr>
-          <p:cNvPr id="3" name="Oval 2">
-            <a:extLst>
-              <a:ext uri="{FF2B5EF4-FFF2-40B4-BE49-F238E27FC236}">
-                <a16:creationId xmlns:a16="http://schemas.microsoft.com/office/drawing/2014/main" id="{61479C10-4169-4DCA-BA14-BC3FF3FCD442}"/>
-              </a:ext>
-            </a:extLst>
-          </p:cNvPr>
-          <p:cNvSpPr/>
-          <p:nvPr/>
-        </p:nvSpPr>
-        <p:spPr>
-          <a:xfrm>
-            <a:off x="6870939" y="92141"/>
-            <a:ext cx="1558636" cy="1098995"/>
-          </a:xfrm>
-          <a:prstGeom prst="ellipse">
-            <a:avLst/>
-          </a:prstGeom>
-        </p:spPr>
-        <p:style>
-          <a:lnRef idx="2">
-            <a:schemeClr val="accent1">
-              <a:shade val="50000"/>
-            </a:schemeClr>
-          </a:lnRef>
-          <a:fillRef idx="1">
-            <a:schemeClr val="accent1"/>
-          </a:fillRef>
-          <a:effectRef idx="0">
-            <a:schemeClr val="accent1"/>
-          </a:effectRef>
-          <a:fontRef idx="minor">
-            <a:schemeClr val="lt1"/>
-          </a:fontRef>
-        </p:style>
-        <p:txBody>
-          <a:bodyPr rtlCol="0" anchor="ctr"/>
-          <a:lstStyle/>
-          <a:p>
-            <a:pPr algn="ctr"/>
-            <a:r>
-              <a:rPr lang="en-US" dirty="0"/>
-              <a:t>Delete red calculation</a:t>
-            </a:r>
-          </a:p>
-        </p:txBody>
-      </p:sp>
-    </p:spTree>
-    <p:extLst>
-      <p:ext uri="{BB962C8B-B14F-4D97-AF65-F5344CB8AC3E}">
-        <p14:creationId xmlns:p14="http://schemas.microsoft.com/office/powerpoint/2010/main" val="1520920494"/>
-      </p:ext>
-    </p:extLst>
-  </p:cSld>
-  <p:clrMapOvr>
-    <a:masterClrMapping/>
-  </p:clrMapOvr>
-</p:sld>
-</file>
-
-<file path=ppt/slides/slide22.xml><?xml version="1.0" encoding="utf-8"?>
-<p:sld xmlns:a="http://schemas.openxmlformats.org/drawingml/2006/main" xmlns:r="http://schemas.openxmlformats.org/officeDocument/2006/relationships" xmlns:p="http://schemas.openxmlformats.org/presentationml/2006/main" show="0">
-  <p:cSld>
-    <p:spTree>
-      <p:nvGrpSpPr>
-        <p:cNvPr id="1" name=""/>
-        <p:cNvGrpSpPr/>
-        <p:nvPr/>
-      </p:nvGrpSpPr>
-      <p:grpSpPr>
-        <a:xfrm>
-          <a:off x="0" y="0"/>
-          <a:ext cx="0" cy="0"/>
-          <a:chOff x="0" y="0"/>
-          <a:chExt cx="0" cy="0"/>
-        </a:xfrm>
-      </p:grpSpPr>
-      <p:sp>
-        <p:nvSpPr>
-          <p:cNvPr id="2" name="Title 1">
-            <a:extLst>
-              <a:ext uri="{FF2B5EF4-FFF2-40B4-BE49-F238E27FC236}">
-                <a16:creationId xmlns:a16="http://schemas.microsoft.com/office/drawing/2014/main" id="{C36B15E0-5587-4564-8ECF-B9D269A26820}"/>
-              </a:ext>
-            </a:extLst>
-          </p:cNvPr>
-          <p:cNvSpPr>
-            <a:spLocks noGrp="1"/>
-          </p:cNvSpPr>
-          <p:nvPr>
-            <p:ph type="title"/>
-          </p:nvPr>
-        </p:nvSpPr>
-        <p:spPr>
-          <a:xfrm>
-            <a:off x="1246179" y="376746"/>
-            <a:ext cx="5834243" cy="529787"/>
-          </a:xfrm>
-        </p:spPr>
-        <p:txBody>
-          <a:bodyPr>
             <a:normAutofit/>
           </a:bodyPr>
           <a:lstStyle/>
@@ -9085,7 +8907,7 @@
 </p:sld>
 </file>
 
-<file path=ppt/slides/slide23.xml><?xml version="1.0" encoding="utf-8"?>
+<file path=ppt/slides/slide22.xml><?xml version="1.0" encoding="utf-8"?>
 <p:sld xmlns:a="http://schemas.openxmlformats.org/drawingml/2006/main" xmlns:r="http://schemas.openxmlformats.org/officeDocument/2006/relationships" xmlns:p="http://schemas.openxmlformats.org/presentationml/2006/main" show="0">
   <p:cSld>
     <p:spTree>
